--- a/diy-environment-setup.pptx
+++ b/diy-environment-setup.pptx
@@ -418,7 +418,7 @@
           <a:p>
             <a:fld id="{679BC7E7-EA8E-4DA7-915E-CC098D9BADCB}" type="datetimeFigureOut">
               <a:rPr lang="en-US" smtClean="0"/>
-              <a:t>11/05/18</a:t>
+              <a:t>17/05/18</a:t>
             </a:fld>
             <a:endParaRPr lang="en-US"/>
           </a:p>
@@ -811,7 +811,7 @@
           <a:p>
             <a:fld id="{679BC7E7-EA8E-4DA7-915E-CC098D9BADCB}" type="datetimeFigureOut">
               <a:rPr lang="en-US" smtClean="0"/>
-              <a:t>11/05/18</a:t>
+              <a:t>17/05/18</a:t>
             </a:fld>
             <a:endParaRPr lang="en-US"/>
           </a:p>
@@ -1343,7 +1343,7 @@
           <a:p>
             <a:fld id="{679BC7E7-EA8E-4DA7-915E-CC098D9BADCB}" type="datetimeFigureOut">
               <a:rPr lang="en-US" smtClean="0"/>
-              <a:t>11/05/18</a:t>
+              <a:t>17/05/18</a:t>
             </a:fld>
             <a:endParaRPr lang="en-US"/>
           </a:p>
@@ -1476,7 +1476,7 @@
           <a:p>
             <a:fld id="{679BC7E7-EA8E-4DA7-915E-CC098D9BADCB}" type="datetimeFigureOut">
               <a:rPr lang="en-US" smtClean="0"/>
-              <a:t>11/05/18</a:t>
+              <a:t>17/05/18</a:t>
             </a:fld>
             <a:endParaRPr lang="en-US"/>
           </a:p>
@@ -2019,7 +2019,7 @@
           <a:p>
             <a:fld id="{679BC7E7-EA8E-4DA7-915E-CC098D9BADCB}" type="datetimeFigureOut">
               <a:rPr lang="en-US" smtClean="0"/>
-              <a:t>11/05/18</a:t>
+              <a:t>17/05/18</a:t>
             </a:fld>
             <a:endParaRPr lang="en-US"/>
           </a:p>
@@ -2314,7 +2314,7 @@
           <a:p>
             <a:fld id="{679BC7E7-EA8E-4DA7-915E-CC098D9BADCB}" type="datetimeFigureOut">
               <a:rPr lang="en-US" smtClean="0"/>
-              <a:t>11/05/18</a:t>
+              <a:t>17/05/18</a:t>
             </a:fld>
             <a:endParaRPr lang="en-US"/>
           </a:p>
@@ -2973,7 +2973,7 @@
           <a:p>
             <a:fld id="{679BC7E7-EA8E-4DA7-915E-CC098D9BADCB}" type="datetimeFigureOut">
               <a:rPr lang="en-US" smtClean="0"/>
-              <a:t>11/05/18</a:t>
+              <a:t>17/05/18</a:t>
             </a:fld>
             <a:endParaRPr lang="en-US"/>
           </a:p>
@@ -3409,7 +3409,7 @@
           <a:p>
             <a:fld id="{679BC7E7-EA8E-4DA7-915E-CC098D9BADCB}" type="datetimeFigureOut">
               <a:rPr lang="en-US" smtClean="0"/>
-              <a:t>11/05/18</a:t>
+              <a:t>17/05/18</a:t>
             </a:fld>
             <a:endParaRPr lang="en-US"/>
           </a:p>
@@ -3722,7 +3722,7 @@
           <a:p>
             <a:fld id="{679BC7E7-EA8E-4DA7-915E-CC098D9BADCB}" type="datetimeFigureOut">
               <a:rPr lang="en-US" smtClean="0"/>
-              <a:t>11/05/18</a:t>
+              <a:t>17/05/18</a:t>
             </a:fld>
             <a:endParaRPr lang="en-US"/>
           </a:p>
@@ -4454,7 +4454,7 @@
           <a:p>
             <a:fld id="{679BC7E7-EA8E-4DA7-915E-CC098D9BADCB}" type="datetimeFigureOut">
               <a:rPr lang="en-US" smtClean="0"/>
-              <a:t>11/05/18</a:t>
+              <a:t>17/05/18</a:t>
             </a:fld>
             <a:endParaRPr lang="en-US"/>
           </a:p>
@@ -5118,7 +5118,7 @@
           <a:p>
             <a:fld id="{679BC7E7-EA8E-4DA7-915E-CC098D9BADCB}" type="datetimeFigureOut">
               <a:rPr lang="en-US" smtClean="0"/>
-              <a:t>11/05/18</a:t>
+              <a:t>17/05/18</a:t>
             </a:fld>
             <a:endParaRPr lang="en-US"/>
           </a:p>
@@ -5391,7 +5391,7 @@
           <a:p>
             <a:fld id="{679BC7E7-EA8E-4DA7-915E-CC098D9BADCB}" type="datetimeFigureOut">
               <a:rPr lang="en-US" smtClean="0"/>
-              <a:t>11/05/18</a:t>
+              <a:t>17/05/18</a:t>
             </a:fld>
             <a:endParaRPr lang="en-US"/>
           </a:p>
@@ -6313,8 +6313,71 @@
                   </a:schemeClr>
                 </a:solidFill>
               </a:rPr>
-              <a:t>login:</a:t>
-            </a:r>
+              <a:t>login</a:t>
+            </a:r>
+            <a:r>
+              <a:rPr lang="en-US" cap="none" dirty="0">
+                <a:solidFill>
+                  <a:schemeClr val="tx1">
+                    <a:lumMod val="50000"/>
+                    <a:lumOff val="50000"/>
+                  </a:schemeClr>
+                </a:solidFill>
+              </a:rPr>
+              <a:t>: type </a:t>
+            </a:r>
+            <a:r>
+              <a:rPr lang="en-US" cap="none" dirty="0" err="1">
+                <a:solidFill>
+                  <a:schemeClr val="tx1">
+                    <a:lumMod val="50000"/>
+                    <a:lumOff val="50000"/>
+                  </a:schemeClr>
+                </a:solidFill>
+              </a:rPr>
+              <a:t>ssh</a:t>
+            </a:r>
+            <a:r>
+              <a:rPr lang="en-US" cap="none" dirty="0">
+                <a:solidFill>
+                  <a:schemeClr val="tx1">
+                    <a:lumMod val="50000"/>
+                    <a:lumOff val="50000"/>
+                  </a:schemeClr>
+                </a:solidFill>
+              </a:rPr>
+              <a:t> </a:t>
+            </a:r>
+            <a:r>
+              <a:rPr lang="en-US" cap="none" dirty="0" err="1">
+                <a:solidFill>
+                  <a:schemeClr val="tx1">
+                    <a:lumMod val="50000"/>
+                    <a:lumOff val="50000"/>
+                  </a:schemeClr>
+                </a:solidFill>
+              </a:rPr>
+              <a:t>hadoop@</a:t>
+            </a:r>
+            <a:r>
+              <a:rPr lang="en-US" cap="none" dirty="0" err="1" smtClean="0">
+                <a:solidFill>
+                  <a:schemeClr val="tx1">
+                    <a:lumMod val="50000"/>
+                    <a:lumOff val="50000"/>
+                  </a:schemeClr>
+                </a:solidFill>
+              </a:rPr>
+              <a:t>edgenode</a:t>
+            </a:r>
+            <a:endParaRPr lang="en-US" cap="none" dirty="0">
+              <a:solidFill>
+                <a:schemeClr val="tx1">
+                  <a:lumMod val="50000"/>
+                  <a:lumOff val="50000"/>
+                </a:schemeClr>
+              </a:solidFill>
+            </a:endParaRPr>
           </a:p>
           <a:p>
             <a:pPr algn="l"/>
@@ -6528,19 +6591,7 @@
               <a:rPr lang="en-IN" sz="4800" dirty="0" smtClean="0">
                 <a:latin typeface="Arial"/>
               </a:rPr>
-              <a:t>Installing </a:t>
-            </a:r>
-            <a:r>
-              <a:rPr lang="en-IN" sz="4800" dirty="0" smtClean="0">
-                <a:latin typeface="Arial"/>
-              </a:rPr>
-              <a:t>Ubuntu on </a:t>
-            </a:r>
-            <a:r>
-              <a:rPr lang="en-IN" sz="4800" dirty="0" smtClean="0">
-                <a:latin typeface="Arial"/>
-              </a:rPr>
-              <a:t>top of the VM</a:t>
+              <a:t>Installing Ubuntu on top of the VM</a:t>
             </a:r>
             <a:endParaRPr lang="en-US" dirty="0"/>
           </a:p>
@@ -13085,8 +13136,11 @@
                   </a:schemeClr>
                 </a:solidFill>
               </a:rPr>
-              <a:t>192.168.1.2</a:t>
-            </a:r>
+              <a:t>192.168.1.2	namenode1</a:t>
+            </a:r>
+          </a:p>
+          <a:p>
+            <a:pPr lvl="2"/>
             <a:r>
               <a:rPr lang="en-US" dirty="0">
                 <a:solidFill>
@@ -13096,8 +13150,11 @@
                   </a:schemeClr>
                 </a:solidFill>
               </a:rPr>
-              <a:t>	</a:t>
-            </a:r>
+              <a:t>192.168.1.3	datanode1</a:t>
+            </a:r>
+          </a:p>
+          <a:p>
+            <a:pPr lvl="2"/>
             <a:r>
               <a:rPr lang="en-US" dirty="0">
                 <a:solidFill>
@@ -13107,82 +13164,8 @@
                   </a:schemeClr>
                 </a:solidFill>
               </a:rPr>
-              <a:t>namenode1</a:t>
-            </a:r>
-            <a:endParaRPr lang="en-US" dirty="0">
-              <a:solidFill>
-                <a:schemeClr val="tx1">
-                  <a:lumMod val="50000"/>
-                  <a:lumOff val="50000"/>
-                </a:schemeClr>
-              </a:solidFill>
-            </a:endParaRPr>
-          </a:p>
-          <a:p>
-            <a:pPr lvl="2"/>
-            <a:r>
-              <a:rPr lang="en-US" dirty="0">
-                <a:solidFill>
-                  <a:schemeClr val="tx1">
-                    <a:lumMod val="50000"/>
-                    <a:lumOff val="50000"/>
-                  </a:schemeClr>
-                </a:solidFill>
-              </a:rPr>
-              <a:t>192.168.1.3	</a:t>
-            </a:r>
-            <a:r>
-              <a:rPr lang="en-US" dirty="0">
-                <a:solidFill>
-                  <a:schemeClr val="tx1">
-                    <a:lumMod val="50000"/>
-                    <a:lumOff val="50000"/>
-                  </a:schemeClr>
-                </a:solidFill>
-              </a:rPr>
-              <a:t>datanode1</a:t>
-            </a:r>
-            <a:endParaRPr lang="en-US" dirty="0">
-              <a:solidFill>
-                <a:schemeClr val="tx1">
-                  <a:lumMod val="50000"/>
-                  <a:lumOff val="50000"/>
-                </a:schemeClr>
-              </a:solidFill>
-            </a:endParaRPr>
-          </a:p>
-          <a:p>
-            <a:pPr lvl="2"/>
-            <a:r>
-              <a:rPr lang="en-US" dirty="0">
-                <a:solidFill>
-                  <a:schemeClr val="tx1">
-                    <a:lumMod val="50000"/>
-                    <a:lumOff val="50000"/>
-                  </a:schemeClr>
-                </a:solidFill>
-              </a:rPr>
-              <a:t>192.168.1.4	</a:t>
-            </a:r>
-            <a:r>
-              <a:rPr lang="en-US" dirty="0">
-                <a:solidFill>
-                  <a:schemeClr val="tx1">
-                    <a:lumMod val="50000"/>
-                    <a:lumOff val="50000"/>
-                  </a:schemeClr>
-                </a:solidFill>
-              </a:rPr>
-              <a:t>datanode2</a:t>
-            </a:r>
-            <a:endParaRPr lang="en-US" dirty="0">
-              <a:solidFill>
-                <a:schemeClr val="tx1">
-                  <a:lumMod val="50000"/>
-                  <a:lumOff val="50000"/>
-                </a:schemeClr>
-              </a:solidFill>
-            </a:endParaRPr>
+              <a:t>192.168.1.4	datanode2</a:t>
+            </a:r>
           </a:p>
           <a:p>
             <a:pPr lvl="2"/>
